--- a/File Report/db/lista operazioni.pptx
+++ b/File Report/db/lista operazioni.pptx
@@ -244,7 +244,7 @@
           <a:p>
             <a:fld id="{0DAF859A-778D-45BB-B73F-DBDF9DC3F39E}" type="datetimeFigureOut">
               <a:rPr lang="it-IT" smtClean="0"/>
-              <a:t>26/04/2018</a:t>
+              <a:t>27/04/2018</a:t>
             </a:fld>
             <a:endParaRPr lang="it-IT"/>
           </a:p>
@@ -414,7 +414,7 @@
           <a:p>
             <a:fld id="{0DAF859A-778D-45BB-B73F-DBDF9DC3F39E}" type="datetimeFigureOut">
               <a:rPr lang="it-IT" smtClean="0"/>
-              <a:t>26/04/2018</a:t>
+              <a:t>27/04/2018</a:t>
             </a:fld>
             <a:endParaRPr lang="it-IT"/>
           </a:p>
@@ -594,7 +594,7 @@
           <a:p>
             <a:fld id="{0DAF859A-778D-45BB-B73F-DBDF9DC3F39E}" type="datetimeFigureOut">
               <a:rPr lang="it-IT" smtClean="0"/>
-              <a:t>26/04/2018</a:t>
+              <a:t>27/04/2018</a:t>
             </a:fld>
             <a:endParaRPr lang="it-IT"/>
           </a:p>
@@ -764,7 +764,7 @@
           <a:p>
             <a:fld id="{0DAF859A-778D-45BB-B73F-DBDF9DC3F39E}" type="datetimeFigureOut">
               <a:rPr lang="it-IT" smtClean="0"/>
-              <a:t>26/04/2018</a:t>
+              <a:t>27/04/2018</a:t>
             </a:fld>
             <a:endParaRPr lang="it-IT"/>
           </a:p>
@@ -1010,7 +1010,7 @@
           <a:p>
             <a:fld id="{0DAF859A-778D-45BB-B73F-DBDF9DC3F39E}" type="datetimeFigureOut">
               <a:rPr lang="it-IT" smtClean="0"/>
-              <a:t>26/04/2018</a:t>
+              <a:t>27/04/2018</a:t>
             </a:fld>
             <a:endParaRPr lang="it-IT"/>
           </a:p>
@@ -1242,7 +1242,7 @@
           <a:p>
             <a:fld id="{0DAF859A-778D-45BB-B73F-DBDF9DC3F39E}" type="datetimeFigureOut">
               <a:rPr lang="it-IT" smtClean="0"/>
-              <a:t>26/04/2018</a:t>
+              <a:t>27/04/2018</a:t>
             </a:fld>
             <a:endParaRPr lang="it-IT"/>
           </a:p>
@@ -1609,7 +1609,7 @@
           <a:p>
             <a:fld id="{0DAF859A-778D-45BB-B73F-DBDF9DC3F39E}" type="datetimeFigureOut">
               <a:rPr lang="it-IT" smtClean="0"/>
-              <a:t>26/04/2018</a:t>
+              <a:t>27/04/2018</a:t>
             </a:fld>
             <a:endParaRPr lang="it-IT"/>
           </a:p>
@@ -1727,7 +1727,7 @@
           <a:p>
             <a:fld id="{0DAF859A-778D-45BB-B73F-DBDF9DC3F39E}" type="datetimeFigureOut">
               <a:rPr lang="it-IT" smtClean="0"/>
-              <a:t>26/04/2018</a:t>
+              <a:t>27/04/2018</a:t>
             </a:fld>
             <a:endParaRPr lang="it-IT"/>
           </a:p>
@@ -1822,7 +1822,7 @@
           <a:p>
             <a:fld id="{0DAF859A-778D-45BB-B73F-DBDF9DC3F39E}" type="datetimeFigureOut">
               <a:rPr lang="it-IT" smtClean="0"/>
-              <a:t>26/04/2018</a:t>
+              <a:t>27/04/2018</a:t>
             </a:fld>
             <a:endParaRPr lang="it-IT"/>
           </a:p>
@@ -2099,7 +2099,7 @@
           <a:p>
             <a:fld id="{0DAF859A-778D-45BB-B73F-DBDF9DC3F39E}" type="datetimeFigureOut">
               <a:rPr lang="it-IT" smtClean="0"/>
-              <a:t>26/04/2018</a:t>
+              <a:t>27/04/2018</a:t>
             </a:fld>
             <a:endParaRPr lang="it-IT"/>
           </a:p>
@@ -2352,7 +2352,7 @@
           <a:p>
             <a:fld id="{0DAF859A-778D-45BB-B73F-DBDF9DC3F39E}" type="datetimeFigureOut">
               <a:rPr lang="it-IT" smtClean="0"/>
-              <a:t>26/04/2018</a:t>
+              <a:t>27/04/2018</a:t>
             </a:fld>
             <a:endParaRPr lang="it-IT"/>
           </a:p>
@@ -2565,7 +2565,7 @@
           <a:p>
             <a:fld id="{0DAF859A-778D-45BB-B73F-DBDF9DC3F39E}" type="datetimeFigureOut">
               <a:rPr lang="it-IT" smtClean="0"/>
-              <a:t>26/04/2018</a:t>
+              <a:t>27/04/2018</a:t>
             </a:fld>
             <a:endParaRPr lang="it-IT"/>
           </a:p>
@@ -3062,6 +3062,126 @@
           </a:fontRef>
         </p:style>
       </p:cxnSp>
+      <p:cxnSp>
+        <p:nvCxnSpPr>
+          <p:cNvPr id="6" name="Connettore 1 5"/>
+          <p:cNvCxnSpPr/>
+          <p:nvPr/>
+        </p:nvCxnSpPr>
+        <p:spPr>
+          <a:xfrm>
+            <a:off x="1501254" y="5049672"/>
+            <a:ext cx="6086901" cy="40943"/>
+          </a:xfrm>
+          <a:prstGeom prst="line">
+            <a:avLst/>
+          </a:prstGeom>
+        </p:spPr>
+        <p:style>
+          <a:lnRef idx="1">
+            <a:schemeClr val="accent1"/>
+          </a:lnRef>
+          <a:fillRef idx="0">
+            <a:schemeClr val="accent1"/>
+          </a:fillRef>
+          <a:effectRef idx="0">
+            <a:schemeClr val="accent1"/>
+          </a:effectRef>
+          <a:fontRef idx="minor">
+            <a:schemeClr val="tx1"/>
+          </a:fontRef>
+        </p:style>
+      </p:cxnSp>
+      <p:cxnSp>
+        <p:nvCxnSpPr>
+          <p:cNvPr id="8" name="Connettore 1 7"/>
+          <p:cNvCxnSpPr/>
+          <p:nvPr/>
+        </p:nvCxnSpPr>
+        <p:spPr>
+          <a:xfrm flipV="1">
+            <a:off x="1050878" y="5991367"/>
+            <a:ext cx="5322626" cy="40943"/>
+          </a:xfrm>
+          <a:prstGeom prst="line">
+            <a:avLst/>
+          </a:prstGeom>
+        </p:spPr>
+        <p:style>
+          <a:lnRef idx="1">
+            <a:schemeClr val="accent1"/>
+          </a:lnRef>
+          <a:fillRef idx="0">
+            <a:schemeClr val="accent1"/>
+          </a:fillRef>
+          <a:effectRef idx="0">
+            <a:schemeClr val="accent1"/>
+          </a:effectRef>
+          <a:fontRef idx="minor">
+            <a:schemeClr val="tx1"/>
+          </a:fontRef>
+        </p:style>
+      </p:cxnSp>
+      <p:cxnSp>
+        <p:nvCxnSpPr>
+          <p:cNvPr id="10" name="Connettore 1 9"/>
+          <p:cNvCxnSpPr/>
+          <p:nvPr/>
+        </p:nvCxnSpPr>
+        <p:spPr>
+          <a:xfrm>
+            <a:off x="764275" y="3835021"/>
+            <a:ext cx="5295331" cy="40943"/>
+          </a:xfrm>
+          <a:prstGeom prst="line">
+            <a:avLst/>
+          </a:prstGeom>
+        </p:spPr>
+        <p:style>
+          <a:lnRef idx="1">
+            <a:schemeClr val="accent1"/>
+          </a:lnRef>
+          <a:fillRef idx="0">
+            <a:schemeClr val="accent1"/>
+          </a:fillRef>
+          <a:effectRef idx="0">
+            <a:schemeClr val="accent1"/>
+          </a:effectRef>
+          <a:fontRef idx="minor">
+            <a:schemeClr val="tx1"/>
+          </a:fontRef>
+        </p:style>
+      </p:cxnSp>
+      <p:cxnSp>
+        <p:nvCxnSpPr>
+          <p:cNvPr id="12" name="Connettore 1 11"/>
+          <p:cNvCxnSpPr/>
+          <p:nvPr/>
+        </p:nvCxnSpPr>
+        <p:spPr>
+          <a:xfrm>
+            <a:off x="1255594" y="5445457"/>
+            <a:ext cx="6100549" cy="122830"/>
+          </a:xfrm>
+          <a:prstGeom prst="line">
+            <a:avLst/>
+          </a:prstGeom>
+        </p:spPr>
+        <p:style>
+          <a:lnRef idx="1">
+            <a:schemeClr val="accent1"/>
+          </a:lnRef>
+          <a:fillRef idx="0">
+            <a:schemeClr val="accent1"/>
+          </a:fillRef>
+          <a:effectRef idx="0">
+            <a:schemeClr val="accent1"/>
+          </a:effectRef>
+          <a:fontRef idx="minor">
+            <a:schemeClr val="tx1"/>
+          </a:fontRef>
+        </p:style>
+      </p:cxnSp>
     </p:spTree>
     <p:extLst>
       <p:ext uri="{BB962C8B-B14F-4D97-AF65-F5344CB8AC3E}">
@@ -3310,6 +3430,66 @@
           <a:xfrm flipV="1">
             <a:off x="846161" y="2101755"/>
             <a:ext cx="7451678" cy="27296"/>
+          </a:xfrm>
+          <a:prstGeom prst="line">
+            <a:avLst/>
+          </a:prstGeom>
+        </p:spPr>
+        <p:style>
+          <a:lnRef idx="1">
+            <a:schemeClr val="accent1"/>
+          </a:lnRef>
+          <a:fillRef idx="0">
+            <a:schemeClr val="accent1"/>
+          </a:fillRef>
+          <a:effectRef idx="0">
+            <a:schemeClr val="accent1"/>
+          </a:effectRef>
+          <a:fontRef idx="minor">
+            <a:schemeClr val="tx1"/>
+          </a:fontRef>
+        </p:style>
+      </p:cxnSp>
+      <p:cxnSp>
+        <p:nvCxnSpPr>
+          <p:cNvPr id="8" name="Connettore 1 7"/>
+          <p:cNvCxnSpPr/>
+          <p:nvPr/>
+        </p:nvCxnSpPr>
+        <p:spPr>
+          <a:xfrm>
+            <a:off x="846161" y="3862316"/>
+            <a:ext cx="8802806" cy="13648"/>
+          </a:xfrm>
+          <a:prstGeom prst="line">
+            <a:avLst/>
+          </a:prstGeom>
+        </p:spPr>
+        <p:style>
+          <a:lnRef idx="1">
+            <a:schemeClr val="accent1"/>
+          </a:lnRef>
+          <a:fillRef idx="0">
+            <a:schemeClr val="accent1"/>
+          </a:fillRef>
+          <a:effectRef idx="0">
+            <a:schemeClr val="accent1"/>
+          </a:effectRef>
+          <a:fontRef idx="minor">
+            <a:schemeClr val="tx1"/>
+          </a:fontRef>
+        </p:style>
+      </p:cxnSp>
+      <p:cxnSp>
+        <p:nvCxnSpPr>
+          <p:cNvPr id="12" name="Connettore 1 11"/>
+          <p:cNvCxnSpPr/>
+          <p:nvPr/>
+        </p:nvCxnSpPr>
+        <p:spPr>
+          <a:xfrm>
+            <a:off x="750627" y="955343"/>
+            <a:ext cx="6237027" cy="27296"/>
           </a:xfrm>
           <a:prstGeom prst="line">
             <a:avLst/>

--- a/File Report/db/lista operazioni.pptx
+++ b/File Report/db/lista operazioni.pptx
@@ -244,7 +244,7 @@
           <a:p>
             <a:fld id="{0DAF859A-778D-45BB-B73F-DBDF9DC3F39E}" type="datetimeFigureOut">
               <a:rPr lang="it-IT" smtClean="0"/>
-              <a:t>27/04/2018</a:t>
+              <a:t>30/04/2018</a:t>
             </a:fld>
             <a:endParaRPr lang="it-IT"/>
           </a:p>
@@ -414,7 +414,7 @@
           <a:p>
             <a:fld id="{0DAF859A-778D-45BB-B73F-DBDF9DC3F39E}" type="datetimeFigureOut">
               <a:rPr lang="it-IT" smtClean="0"/>
-              <a:t>27/04/2018</a:t>
+              <a:t>30/04/2018</a:t>
             </a:fld>
             <a:endParaRPr lang="it-IT"/>
           </a:p>
@@ -594,7 +594,7 @@
           <a:p>
             <a:fld id="{0DAF859A-778D-45BB-B73F-DBDF9DC3F39E}" type="datetimeFigureOut">
               <a:rPr lang="it-IT" smtClean="0"/>
-              <a:t>27/04/2018</a:t>
+              <a:t>30/04/2018</a:t>
             </a:fld>
             <a:endParaRPr lang="it-IT"/>
           </a:p>
@@ -764,7 +764,7 @@
           <a:p>
             <a:fld id="{0DAF859A-778D-45BB-B73F-DBDF9DC3F39E}" type="datetimeFigureOut">
               <a:rPr lang="it-IT" smtClean="0"/>
-              <a:t>27/04/2018</a:t>
+              <a:t>30/04/2018</a:t>
             </a:fld>
             <a:endParaRPr lang="it-IT"/>
           </a:p>
@@ -1010,7 +1010,7 @@
           <a:p>
             <a:fld id="{0DAF859A-778D-45BB-B73F-DBDF9DC3F39E}" type="datetimeFigureOut">
               <a:rPr lang="it-IT" smtClean="0"/>
-              <a:t>27/04/2018</a:t>
+              <a:t>30/04/2018</a:t>
             </a:fld>
             <a:endParaRPr lang="it-IT"/>
           </a:p>
@@ -1242,7 +1242,7 @@
           <a:p>
             <a:fld id="{0DAF859A-778D-45BB-B73F-DBDF9DC3F39E}" type="datetimeFigureOut">
               <a:rPr lang="it-IT" smtClean="0"/>
-              <a:t>27/04/2018</a:t>
+              <a:t>30/04/2018</a:t>
             </a:fld>
             <a:endParaRPr lang="it-IT"/>
           </a:p>
@@ -1609,7 +1609,7 @@
           <a:p>
             <a:fld id="{0DAF859A-778D-45BB-B73F-DBDF9DC3F39E}" type="datetimeFigureOut">
               <a:rPr lang="it-IT" smtClean="0"/>
-              <a:t>27/04/2018</a:t>
+              <a:t>30/04/2018</a:t>
             </a:fld>
             <a:endParaRPr lang="it-IT"/>
           </a:p>
@@ -1727,7 +1727,7 @@
           <a:p>
             <a:fld id="{0DAF859A-778D-45BB-B73F-DBDF9DC3F39E}" type="datetimeFigureOut">
               <a:rPr lang="it-IT" smtClean="0"/>
-              <a:t>27/04/2018</a:t>
+              <a:t>30/04/2018</a:t>
             </a:fld>
             <a:endParaRPr lang="it-IT"/>
           </a:p>
@@ -1822,7 +1822,7 @@
           <a:p>
             <a:fld id="{0DAF859A-778D-45BB-B73F-DBDF9DC3F39E}" type="datetimeFigureOut">
               <a:rPr lang="it-IT" smtClean="0"/>
-              <a:t>27/04/2018</a:t>
+              <a:t>30/04/2018</a:t>
             </a:fld>
             <a:endParaRPr lang="it-IT"/>
           </a:p>
@@ -2099,7 +2099,7 @@
           <a:p>
             <a:fld id="{0DAF859A-778D-45BB-B73F-DBDF9DC3F39E}" type="datetimeFigureOut">
               <a:rPr lang="it-IT" smtClean="0"/>
-              <a:t>27/04/2018</a:t>
+              <a:t>30/04/2018</a:t>
             </a:fld>
             <a:endParaRPr lang="it-IT"/>
           </a:p>
@@ -2352,7 +2352,7 @@
           <a:p>
             <a:fld id="{0DAF859A-778D-45BB-B73F-DBDF9DC3F39E}" type="datetimeFigureOut">
               <a:rPr lang="it-IT" smtClean="0"/>
-              <a:t>27/04/2018</a:t>
+              <a:t>30/04/2018</a:t>
             </a:fld>
             <a:endParaRPr lang="it-IT"/>
           </a:p>
@@ -2565,7 +2565,7 @@
           <a:p>
             <a:fld id="{0DAF859A-778D-45BB-B73F-DBDF9DC3F39E}" type="datetimeFigureOut">
               <a:rPr lang="it-IT" smtClean="0"/>
-              <a:t>27/04/2018</a:t>
+              <a:t>30/04/2018</a:t>
             </a:fld>
             <a:endParaRPr lang="it-IT"/>
           </a:p>
@@ -3182,6 +3182,36 @@
           </a:fontRef>
         </p:style>
       </p:cxnSp>
+      <p:cxnSp>
+        <p:nvCxnSpPr>
+          <p:cNvPr id="7" name="Connettore 1 6"/>
+          <p:cNvCxnSpPr/>
+          <p:nvPr/>
+        </p:nvCxnSpPr>
+        <p:spPr>
+          <a:xfrm flipV="1">
+            <a:off x="1255594" y="6428096"/>
+            <a:ext cx="4804012" cy="68238"/>
+          </a:xfrm>
+          <a:prstGeom prst="line">
+            <a:avLst/>
+          </a:prstGeom>
+        </p:spPr>
+        <p:style>
+          <a:lnRef idx="1">
+            <a:schemeClr val="accent1"/>
+          </a:lnRef>
+          <a:fillRef idx="0">
+            <a:schemeClr val="accent1"/>
+          </a:fillRef>
+          <a:effectRef idx="0">
+            <a:schemeClr val="accent1"/>
+          </a:effectRef>
+          <a:fontRef idx="minor">
+            <a:schemeClr val="tx1"/>
+          </a:fontRef>
+        </p:style>
+      </p:cxnSp>
     </p:spTree>
     <p:extLst>
       <p:ext uri="{BB962C8B-B14F-4D97-AF65-F5344CB8AC3E}">

--- a/File Report/db/lista operazioni.pptx
+++ b/File Report/db/lista operazioni.pptx
@@ -3212,6 +3212,36 @@
           </a:fontRef>
         </p:style>
       </p:cxnSp>
+      <p:cxnSp>
+        <p:nvCxnSpPr>
+          <p:cNvPr id="9" name="Connettore 1 8"/>
+          <p:cNvCxnSpPr/>
+          <p:nvPr/>
+        </p:nvCxnSpPr>
+        <p:spPr>
+          <a:xfrm>
+            <a:off x="1405719" y="1658203"/>
+            <a:ext cx="4967785" cy="47766"/>
+          </a:xfrm>
+          <a:prstGeom prst="line">
+            <a:avLst/>
+          </a:prstGeom>
+        </p:spPr>
+        <p:style>
+          <a:lnRef idx="1">
+            <a:schemeClr val="accent1"/>
+          </a:lnRef>
+          <a:fillRef idx="0">
+            <a:schemeClr val="accent1"/>
+          </a:fillRef>
+          <a:effectRef idx="0">
+            <a:schemeClr val="accent1"/>
+          </a:effectRef>
+          <a:fontRef idx="minor">
+            <a:schemeClr val="tx1"/>
+          </a:fontRef>
+        </p:style>
+      </p:cxnSp>
     </p:spTree>
     <p:extLst>
       <p:ext uri="{BB962C8B-B14F-4D97-AF65-F5344CB8AC3E}">
